--- a/video/p16.pptx
+++ b/video/p16.pptx
@@ -215,7 +215,7 @@
             <a:fld id="{8699DAC0-913F-4CFB-852F-43CCF0357516}" type="datetimeFigureOut">
               <a:rPr lang="zh-CN" altLang="en-US" smtClean="0"/>
               <a:pPr/>
-              <a:t>2016/04/03</a:t>
+              <a:t>2016/04/12</a:t>
             </a:fld>
             <a:endParaRPr lang="zh-CN" altLang="en-US"/>
           </a:p>
@@ -383,7 +383,7 @@
             <a:fld id="{C35B019A-55AE-4BF7-B4D3-0D825A3F122A}" type="datetimeFigureOut">
               <a:rPr lang="zh-CN" altLang="en-US" smtClean="0"/>
               <a:pPr/>
-              <a:t>2016/04/03</a:t>
+              <a:t>2016/04/12</a:t>
             </a:fld>
             <a:endParaRPr lang="zh-CN" altLang="en-US"/>
           </a:p>
@@ -1097,7 +1097,7 @@
             <a:fld id="{26BC682A-C05F-4C99-A8C4-40D51CBA4C0F}" type="datetime1">
               <a:rPr lang="zh-CN" altLang="en-US" smtClean="0"/>
               <a:pPr/>
-              <a:t>2016/04/03</a:t>
+              <a:t>2016/04/12</a:t>
             </a:fld>
             <a:endParaRPr lang="zh-CN" altLang="en-US" dirty="0"/>
           </a:p>
@@ -4428,7 +4428,7 @@
             <a:fld id="{26BC682A-C05F-4C99-A8C4-40D51CBA4C0F}" type="datetime1">
               <a:rPr lang="zh-CN" altLang="en-US" smtClean="0"/>
               <a:pPr/>
-              <a:t>2016/04/03</a:t>
+              <a:t>2016/04/12</a:t>
             </a:fld>
             <a:endParaRPr lang="zh-CN" altLang="en-US" dirty="0"/>
           </a:p>
@@ -6737,7 +6737,7 @@
             <a:fld id="{26BC682A-C05F-4C99-A8C4-40D51CBA4C0F}" type="datetime1">
               <a:rPr lang="zh-CN" altLang="en-US" smtClean="0"/>
               <a:pPr/>
-              <a:t>2016/04/03</a:t>
+              <a:t>2016/04/12</a:t>
             </a:fld>
             <a:endParaRPr lang="zh-CN" altLang="en-US" dirty="0"/>
           </a:p>
@@ -8085,7 +8085,7 @@
             <a:fld id="{26BC682A-C05F-4C99-A8C4-40D51CBA4C0F}" type="datetime1">
               <a:rPr lang="zh-CN" altLang="en-US" smtClean="0"/>
               <a:pPr/>
-              <a:t>2016/04/03</a:t>
+              <a:t>2016/04/12</a:t>
             </a:fld>
             <a:endParaRPr lang="zh-CN" altLang="en-US" dirty="0"/>
           </a:p>
@@ -10758,60 +10758,6 @@
           </a:p>
         </p:txBody>
       </p:sp>
-      <p:pic>
-        <p:nvPicPr>
-          <p:cNvPr id="18" name="图片 1" descr="发大镜"/>
-          <p:cNvPicPr>
-            <a:picLocks noGrp="1" noChangeAspect="1"/>
-          </p:cNvPicPr>
-          <p:nvPr isPhoto="1"/>
-        </p:nvPicPr>
-        <p:blipFill>
-          <a:blip r:embed="rId3" cstate="print">
-            <a:extLst>
-              <a:ext uri="{28A0092B-C50C-407E-A947-70E740481C1C}">
-                <a14:useLocalDpi xmlns:a14="http://schemas.microsoft.com/office/drawing/2010/main" val="0"/>
-              </a:ext>
-            </a:extLst>
-          </a:blip>
-          <a:srcRect/>
-          <a:stretch>
-            <a:fillRect/>
-          </a:stretch>
-        </p:blipFill>
-        <p:spPr bwMode="auto">
-          <a:xfrm>
-            <a:off x="317881" y="1183965"/>
-            <a:ext cx="3462031" cy="2595923"/>
-          </a:xfrm>
-          <a:prstGeom prst="rect">
-            <a:avLst/>
-          </a:prstGeom>
-          <a:noFill/>
-          <a:ln>
-            <a:noFill/>
-          </a:ln>
-          <a:extLst>
-            <a:ext uri="{909E8E84-426E-40DD-AFC4-6F175D3DCCD1}">
-              <a14:hiddenFill xmlns:a14="http://schemas.microsoft.com/office/drawing/2010/main">
-                <a:solidFill>
-                  <a:srgbClr val="FFFFFF"/>
-                </a:solidFill>
-              </a14:hiddenFill>
-            </a:ext>
-            <a:ext uri="{91240B29-F687-4F45-9708-019B960494DF}">
-              <a14:hiddenLine xmlns:a14="http://schemas.microsoft.com/office/drawing/2010/main" w="9525">
-                <a:solidFill>
-                  <a:srgbClr val="000000"/>
-                </a:solidFill>
-                <a:miter lim="800000"/>
-                <a:headEnd/>
-                <a:tailEnd/>
-              </a14:hiddenLine>
-            </a:ext>
-          </a:extLst>
-        </p:spPr>
-      </p:pic>
       <p:sp>
         <p:nvSpPr>
           <p:cNvPr id="3" name="页脚占位符 2"/>
@@ -11130,47 +11076,6 @@
       </p:cxnSp>
       <p:sp>
         <p:nvSpPr>
-          <p:cNvPr id="17" name="矩形 16"/>
-          <p:cNvSpPr/>
-          <p:nvPr/>
-        </p:nvSpPr>
-        <p:spPr>
-          <a:xfrm>
-            <a:off x="723779" y="2130712"/>
-            <a:ext cx="1620957" cy="523220"/>
-          </a:xfrm>
-          <a:prstGeom prst="rect">
-            <a:avLst/>
-          </a:prstGeom>
-          <a:noFill/>
-        </p:spPr>
-        <p:txBody>
-          <a:bodyPr wrap="none" lIns="91440" tIns="45720" rIns="91440" bIns="45720">
-            <a:spAutoFit/>
-          </a:bodyPr>
-          <a:lstStyle/>
-          <a:p>
-            <a:pPr algn="ctr"/>
-            <a:r>
-              <a:rPr lang="zh-CN" altLang="en-US" sz="2800" b="1" dirty="0">
-                <a:ln w="0"/>
-                <a:effectLst>
-                  <a:outerShdw blurRad="38100" dist="19050" dir="2700000" algn="tl" rotWithShape="0">
-                    <a:schemeClr val="dk1">
-                      <a:alpha val="40000"/>
-                    </a:schemeClr>
-                  </a:outerShdw>
-                </a:effectLst>
-                <a:latin typeface="微软雅黑" panose="020B0503020204020204" pitchFamily="34" charset="-122"/>
-                <a:ea typeface="微软雅黑" panose="020B0503020204020204" pitchFamily="34" charset="-122"/>
-              </a:rPr>
-              <a:t>模拟容器</a:t>
-            </a:r>
-          </a:p>
-        </p:txBody>
-      </p:sp>
-      <p:sp>
-        <p:nvSpPr>
           <p:cNvPr id="16" name="矩形 15"/>
           <p:cNvSpPr/>
           <p:nvPr/>
@@ -11629,11 +11534,11 @@
   <p:clrMapOvr>
     <a:masterClrMapping/>
   </p:clrMapOvr>
-  <mc:AlternateContent xmlns:mc="http://schemas.openxmlformats.org/markup-compatibility/2006">
-    <mc:Choice xmlns:p14="http://schemas.microsoft.com/office/powerpoint/2010/main" Requires="p14">
+  <mc:AlternateContent xmlns:mc="http://schemas.openxmlformats.org/markup-compatibility/2006" xmlns:p14="http://schemas.microsoft.com/office/powerpoint/2010/main">
+    <mc:Choice Requires="p14">
       <p:transition p14:dur="0"/>
     </mc:Choice>
-    <mc:Fallback>
+    <mc:Fallback xmlns="">
       <p:transition/>
     </mc:Fallback>
   </mc:AlternateContent>
